--- a/Презентация к Doodle.pptx
+++ b/Презентация к Doodle.pptx
@@ -3461,11 +3461,7 @@
             </a:r>
             <a:r>
               <a:rPr lang="en-US" dirty="0" smtClean="0"/>
-              <a:t> </a:t>
-            </a:r>
-            <a:r>
-              <a:rPr lang="en-US" dirty="0" smtClean="0"/>
-              <a:t>- </a:t>
+              <a:t> - </a:t>
             </a:r>
             <a:r>
               <a:rPr lang="ru-RU" dirty="0" smtClean="0"/>
@@ -3479,7 +3475,6 @@
               <a:rPr lang="ru-RU" dirty="0" smtClean="0"/>
               <a:t>» - платформы </a:t>
             </a:r>
-            <a:endParaRPr lang="ru-RU" dirty="0" smtClean="0"/>
           </a:p>
           <a:p>
             <a:pPr>
@@ -3487,11 +3482,7 @@
             </a:pPr>
             <a:r>
               <a:rPr lang="ru-RU" dirty="0" smtClean="0"/>
-              <a:t> </a:t>
-            </a:r>
-            <a:r>
-              <a:rPr lang="ru-RU" dirty="0" smtClean="0"/>
-              <a:t>                   «</a:t>
+              <a:t>                    «</a:t>
             </a:r>
             <a:r>
               <a:rPr lang="en-US" dirty="0" smtClean="0"/>
@@ -3509,7 +3500,6 @@
               <a:rPr lang="ru-RU" dirty="0" smtClean="0"/>
               <a:t>игрок</a:t>
             </a:r>
-            <a:endParaRPr lang="ru-RU" dirty="0" smtClean="0"/>
           </a:p>
         </p:txBody>
       </p:sp>
@@ -3586,13 +3576,21 @@
               <a:rPr lang="ru-RU" dirty="0" smtClean="0"/>
               <a:t>2) Добавить противников</a:t>
             </a:r>
+          </a:p>
+          <a:p>
+            <a:r>
+              <a:rPr lang="ru-RU" dirty="0" smtClean="0"/>
+              <a:t>3) Оптимизировать </a:t>
+            </a:r>
+            <a:r>
+              <a:rPr lang="ru-RU" smtClean="0"/>
+              <a:t>генерацию </a:t>
+            </a:r>
+            <a:r>
+              <a:rPr lang="ru-RU" smtClean="0"/>
+              <a:t>платформ</a:t>
+            </a:r>
             <a:endParaRPr lang="ru-RU" dirty="0" smtClean="0"/>
-          </a:p>
-          <a:p>
-            <a:r>
-              <a:rPr lang="ru-RU" dirty="0" smtClean="0"/>
-              <a:t>3) Оптимизировать генерацию платформ</a:t>
-            </a:r>
           </a:p>
         </p:txBody>
       </p:sp>
@@ -3717,13 +3715,9 @@
           <a:p>
             <a:r>
               <a:rPr lang="ru-RU" dirty="0" smtClean="0"/>
-              <a:t>Спасибо </a:t>
-            </a:r>
-            <a:r>
-              <a:rPr lang="ru-RU" smtClean="0"/>
-              <a:t>за внимание!</a:t>
-            </a:r>
-            <a:endParaRPr lang="ru-RU"/>
+              <a:t>Спасибо за внимание!</a:t>
+            </a:r>
+            <a:endParaRPr lang="ru-RU" dirty="0"/>
           </a:p>
         </p:txBody>
       </p:sp>
